--- a/Chiến lược chia dải mạng cho nhiều VPC.pptx
+++ b/Chiến lược chia dải mạng cho nhiều VPC.pptx
@@ -711,7 +711,7 @@
           <a:p>
             <a:fld id="{A2426D29-E198-734D-81CB-6F10F093E993}" type="datetimeFigureOut">
               <a:rPr lang="en-VN" smtClean="0"/>
-              <a:t>02/03/2024</a:t>
+              <a:t>03/03/2024</a:t>
             </a:fld>
             <a:endParaRPr lang="en-VN"/>
           </a:p>
@@ -911,7 +911,7 @@
           <a:p>
             <a:fld id="{A2426D29-E198-734D-81CB-6F10F093E993}" type="datetimeFigureOut">
               <a:rPr lang="en-VN" smtClean="0"/>
-              <a:t>02/03/2024</a:t>
+              <a:t>03/03/2024</a:t>
             </a:fld>
             <a:endParaRPr lang="en-VN"/>
           </a:p>
@@ -1121,7 +1121,7 @@
           <a:p>
             <a:fld id="{A2426D29-E198-734D-81CB-6F10F093E993}" type="datetimeFigureOut">
               <a:rPr lang="en-VN" smtClean="0"/>
-              <a:t>02/03/2024</a:t>
+              <a:t>03/03/2024</a:t>
             </a:fld>
             <a:endParaRPr lang="en-VN"/>
           </a:p>
@@ -1326,7 +1326,7 @@
           <a:p>
             <a:fld id="{A2426D29-E198-734D-81CB-6F10F093E993}" type="datetimeFigureOut">
               <a:rPr lang="en-VN" smtClean="0"/>
-              <a:t>02/03/2024</a:t>
+              <a:t>03/03/2024</a:t>
             </a:fld>
             <a:endParaRPr lang="en-VN"/>
           </a:p>
@@ -1628,7 +1628,7 @@
           <a:p>
             <a:fld id="{A2426D29-E198-734D-81CB-6F10F093E993}" type="datetimeFigureOut">
               <a:rPr lang="en-VN" smtClean="0"/>
-              <a:t>02/03/2024</a:t>
+              <a:t>03/03/2024</a:t>
             </a:fld>
             <a:endParaRPr lang="en-VN"/>
           </a:p>
@@ -1896,7 +1896,7 @@
           <a:p>
             <a:fld id="{A2426D29-E198-734D-81CB-6F10F093E993}" type="datetimeFigureOut">
               <a:rPr lang="en-VN" smtClean="0"/>
-              <a:t>02/03/2024</a:t>
+              <a:t>03/03/2024</a:t>
             </a:fld>
             <a:endParaRPr lang="en-VN"/>
           </a:p>
@@ -2311,7 +2311,7 @@
           <a:p>
             <a:fld id="{A2426D29-E198-734D-81CB-6F10F093E993}" type="datetimeFigureOut">
               <a:rPr lang="en-VN" smtClean="0"/>
-              <a:t>02/03/2024</a:t>
+              <a:t>03/03/2024</a:t>
             </a:fld>
             <a:endParaRPr lang="en-VN"/>
           </a:p>
@@ -2453,7 +2453,7 @@
           <a:p>
             <a:fld id="{A2426D29-E198-734D-81CB-6F10F093E993}" type="datetimeFigureOut">
               <a:rPr lang="en-VN" smtClean="0"/>
-              <a:t>02/03/2024</a:t>
+              <a:t>03/03/2024</a:t>
             </a:fld>
             <a:endParaRPr lang="en-VN"/>
           </a:p>
@@ -2582,7 +2582,7 @@
           <a:p>
             <a:fld id="{A2426D29-E198-734D-81CB-6F10F093E993}" type="datetimeFigureOut">
               <a:rPr lang="en-VN" smtClean="0"/>
-              <a:t>02/03/2024</a:t>
+              <a:t>03/03/2024</a:t>
             </a:fld>
             <a:endParaRPr lang="en-VN"/>
           </a:p>
@@ -2895,7 +2895,7 @@
           <a:p>
             <a:fld id="{A2426D29-E198-734D-81CB-6F10F093E993}" type="datetimeFigureOut">
               <a:rPr lang="en-VN" smtClean="0"/>
-              <a:t>02/03/2024</a:t>
+              <a:t>03/03/2024</a:t>
             </a:fld>
             <a:endParaRPr lang="en-VN"/>
           </a:p>
@@ -3184,7 +3184,7 @@
           <a:p>
             <a:fld id="{A2426D29-E198-734D-81CB-6F10F093E993}" type="datetimeFigureOut">
               <a:rPr lang="en-VN" smtClean="0"/>
-              <a:t>02/03/2024</a:t>
+              <a:t>03/03/2024</a:t>
             </a:fld>
             <a:endParaRPr lang="en-VN"/>
           </a:p>
@@ -3427,7 +3427,7 @@
           <a:p>
             <a:fld id="{A2426D29-E198-734D-81CB-6F10F093E993}" type="datetimeFigureOut">
               <a:rPr lang="en-VN" smtClean="0"/>
-              <a:t>02/03/2024</a:t>
+              <a:t>03/03/2024</a:t>
             </a:fld>
             <a:endParaRPr lang="en-VN"/>
           </a:p>
@@ -6177,6 +6177,73 @@
           </p:txBody>
         </p:sp>
       </p:grpSp>
+      <p:sp>
+        <p:nvSpPr>
+          <p:cNvPr id="3" name="TextBox 2">
+            <a:extLst>
+              <a:ext uri="{FF2B5EF4-FFF2-40B4-BE49-F238E27FC236}">
+                <a16:creationId xmlns:a16="http://schemas.microsoft.com/office/drawing/2014/main" id="{93C8EB61-1218-89D8-D0A4-DE7EC4C26031}"/>
+              </a:ext>
+            </a:extLst>
+          </p:cNvPr>
+          <p:cNvSpPr txBox="1"/>
+          <p:nvPr/>
+        </p:nvSpPr>
+        <p:spPr>
+          <a:xfrm>
+            <a:off x="864337" y="4166764"/>
+            <a:ext cx="10121461" cy="1021883"/>
+          </a:xfrm>
+          <a:prstGeom prst="rect">
+            <a:avLst/>
+          </a:prstGeom>
+          <a:noFill/>
+        </p:spPr>
+        <p:txBody>
+          <a:bodyPr wrap="square">
+            <a:spAutoFit/>
+          </a:bodyPr>
+          <a:lstStyle/>
+          <a:p>
+            <a:pPr>
+              <a:lnSpc>
+                <a:spcPct val="150000"/>
+              </a:lnSpc>
+            </a:pPr>
+            <a:r>
+              <a:rPr lang="vi-VN" sz="1400" b="1" dirty="0"/>
+              <a:t>Tại sao lại cần chia dải mạng?</a:t>
+            </a:r>
+            <a:endParaRPr lang="vi-VN" sz="1400" dirty="0"/>
+          </a:p>
+          <a:p>
+            <a:pPr marL="230400" indent="-230400">
+              <a:lnSpc>
+                <a:spcPct val="150000"/>
+              </a:lnSpc>
+              <a:buFont typeface="+mj-lt"/>
+              <a:buAutoNum type="arabicPeriod"/>
+            </a:pPr>
+            <a:r>
+              <a:rPr lang="vi-VN" sz="1400" dirty="0"/>
+              <a:t>Dễ dàng quản lý và mở rộng hạ tầng mạng.</a:t>
+            </a:r>
+          </a:p>
+          <a:p>
+            <a:pPr marL="230400" indent="-230400">
+              <a:lnSpc>
+                <a:spcPct val="150000"/>
+              </a:lnSpc>
+              <a:buFont typeface="+mj-lt"/>
+              <a:buAutoNum type="arabicPeriod"/>
+            </a:pPr>
+            <a:r>
+              <a:rPr lang="vi-VN" sz="1400" dirty="0"/>
+              <a:t>Hạn chế xung đột khi cần kết nối nhiều VPC lại với nhau.</a:t>
+            </a:r>
+          </a:p>
+        </p:txBody>
+      </p:sp>
     </p:spTree>
     <p:extLst>
       <p:ext uri="{BB962C8B-B14F-4D97-AF65-F5344CB8AC3E}">
@@ -6434,7 +6501,7 @@
         </p:blipFill>
         <p:spPr>
           <a:xfrm>
-            <a:off x="881197" y="3547037"/>
+            <a:off x="881197" y="4164877"/>
             <a:ext cx="7772400" cy="1204372"/>
           </a:xfrm>
           <a:prstGeom prst="rect">
@@ -6444,10 +6511,10 @@
       </p:pic>
       <p:sp>
         <p:nvSpPr>
-          <p:cNvPr id="33" name="Rounded Rectangular Callout 32">
+          <p:cNvPr id="34" name="Rounded Rectangular Callout 33">
             <a:extLst>
               <a:ext uri="{FF2B5EF4-FFF2-40B4-BE49-F238E27FC236}">
-                <a16:creationId xmlns:a16="http://schemas.microsoft.com/office/drawing/2014/main" id="{FA049874-FC20-F3DB-A4BD-EC415E9B2051}"/>
+                <a16:creationId xmlns:a16="http://schemas.microsoft.com/office/drawing/2014/main" id="{4D7424E3-91D5-96DD-32C9-FBD75A6A032A}"/>
               </a:ext>
             </a:extLst>
           </p:cNvPr>
@@ -6456,13 +6523,13 @@
         </p:nvSpPr>
         <p:spPr>
           <a:xfrm>
-            <a:off x="9506740" y="4149223"/>
-            <a:ext cx="2282137" cy="944807"/>
+            <a:off x="5808101" y="3006576"/>
+            <a:ext cx="3336851" cy="944807"/>
           </a:xfrm>
           <a:prstGeom prst="wedgeRoundRectCallout">
             <a:avLst>
-              <a:gd name="adj1" fmla="val -84954"/>
-              <a:gd name="adj2" fmla="val -23711"/>
+              <a:gd name="adj1" fmla="val -78119"/>
+              <a:gd name="adj2" fmla="val -53979"/>
               <a:gd name="adj3" fmla="val 16667"/>
             </a:avLst>
           </a:prstGeom>
@@ -6502,23 +6569,7 @@
                   <a:schemeClr val="tx1"/>
                 </a:solidFill>
               </a:rPr>
-              <a:t>Lý</a:t>
-            </a:r>
-            <a:r>
-              <a:rPr lang="en-US" dirty="0">
-                <a:solidFill>
-                  <a:schemeClr val="tx1"/>
-                </a:solidFill>
-              </a:rPr>
-              <a:t> do </a:t>
-            </a:r>
-            <a:r>
-              <a:rPr lang="en-US" dirty="0" err="1">
-                <a:solidFill>
-                  <a:schemeClr val="tx1"/>
-                </a:solidFill>
-              </a:rPr>
-              <a:t>cần</a:t>
+              <a:t>Cách</a:t>
             </a:r>
             <a:r>
               <a:rPr lang="en-US" dirty="0">
@@ -6534,164 +6585,6 @@
                   <a:schemeClr val="tx1"/>
                 </a:solidFill>
               </a:rPr>
-              <a:t>phải</a:t>
-            </a:r>
-            <a:r>
-              <a:rPr lang="en-US" dirty="0">
-                <a:solidFill>
-                  <a:schemeClr val="tx1"/>
-                </a:solidFill>
-              </a:rPr>
-              <a:t> </a:t>
-            </a:r>
-            <a:r>
-              <a:rPr lang="en-US" dirty="0" err="1">
-                <a:solidFill>
-                  <a:schemeClr val="tx1"/>
-                </a:solidFill>
-              </a:rPr>
-              <a:t>hạn</a:t>
-            </a:r>
-            <a:r>
-              <a:rPr lang="en-US" dirty="0">
-                <a:solidFill>
-                  <a:schemeClr val="tx1"/>
-                </a:solidFill>
-              </a:rPr>
-              <a:t> </a:t>
-            </a:r>
-            <a:r>
-              <a:rPr lang="en-US" dirty="0" err="1">
-                <a:solidFill>
-                  <a:schemeClr val="tx1"/>
-                </a:solidFill>
-              </a:rPr>
-              <a:t>chế</a:t>
-            </a:r>
-            <a:r>
-              <a:rPr lang="en-US" dirty="0">
-                <a:solidFill>
-                  <a:schemeClr val="tx1"/>
-                </a:solidFill>
-              </a:rPr>
-              <a:t> </a:t>
-            </a:r>
-            <a:r>
-              <a:rPr lang="en-US" dirty="0" err="1">
-                <a:solidFill>
-                  <a:schemeClr val="tx1"/>
-                </a:solidFill>
-              </a:rPr>
-              <a:t>là</a:t>
-            </a:r>
-            <a:r>
-              <a:rPr lang="en-US" dirty="0">
-                <a:solidFill>
-                  <a:schemeClr val="tx1"/>
-                </a:solidFill>
-              </a:rPr>
-              <a:t> </a:t>
-            </a:r>
-            <a:r>
-              <a:rPr lang="en-US" dirty="0" err="1">
-                <a:solidFill>
-                  <a:schemeClr val="tx1"/>
-                </a:solidFill>
-              </a:rPr>
-              <a:t>gì</a:t>
-            </a:r>
-            <a:r>
-              <a:rPr lang="en-US" dirty="0">
-                <a:solidFill>
-                  <a:schemeClr val="tx1"/>
-                </a:solidFill>
-              </a:rPr>
-              <a:t>?</a:t>
-            </a:r>
-            <a:endParaRPr lang="en-VN" dirty="0">
-              <a:solidFill>
-                <a:schemeClr val="tx1"/>
-              </a:solidFill>
-            </a:endParaRPr>
-          </a:p>
-        </p:txBody>
-      </p:sp>
-      <p:sp>
-        <p:nvSpPr>
-          <p:cNvPr id="34" name="Rounded Rectangular Callout 33">
-            <a:extLst>
-              <a:ext uri="{FF2B5EF4-FFF2-40B4-BE49-F238E27FC236}">
-                <a16:creationId xmlns:a16="http://schemas.microsoft.com/office/drawing/2014/main" id="{4D7424E3-91D5-96DD-32C9-FBD75A6A032A}"/>
-              </a:ext>
-            </a:extLst>
-          </p:cNvPr>
-          <p:cNvSpPr/>
-          <p:nvPr/>
-        </p:nvSpPr>
-        <p:spPr>
-          <a:xfrm>
-            <a:off x="5613966" y="2982642"/>
-            <a:ext cx="3039631" cy="944807"/>
-          </a:xfrm>
-          <a:prstGeom prst="wedgeRoundRectCallout">
-            <a:avLst>
-              <a:gd name="adj1" fmla="val -80076"/>
-              <a:gd name="adj2" fmla="val -26327"/>
-              <a:gd name="adj3" fmla="val 16667"/>
-            </a:avLst>
-          </a:prstGeom>
-          <a:ln>
-            <a:noFill/>
-          </a:ln>
-          <a:effectLst>
-            <a:outerShdw blurRad="63500" sx="102000" sy="102000" algn="ctr" rotWithShape="0">
-              <a:prstClr val="black">
-                <a:alpha val="40000"/>
-              </a:prstClr>
-            </a:outerShdw>
-          </a:effectLst>
-        </p:spPr>
-        <p:style>
-          <a:lnRef idx="2">
-            <a:schemeClr val="accent6"/>
-          </a:lnRef>
-          <a:fillRef idx="1">
-            <a:schemeClr val="lt1"/>
-          </a:fillRef>
-          <a:effectRef idx="0">
-            <a:schemeClr val="accent6"/>
-          </a:effectRef>
-          <a:fontRef idx="minor">
-            <a:schemeClr val="dk1"/>
-          </a:fontRef>
-        </p:style>
-        <p:txBody>
-          <a:bodyPr rtlCol="0" anchor="ctr"/>
-          <a:lstStyle/>
-          <a:p>
-            <a:pPr algn="ctr"/>
-            <a:r>
-              <a:rPr lang="en-US" dirty="0" err="1">
-                <a:solidFill>
-                  <a:schemeClr val="tx1"/>
-                </a:solidFill>
-              </a:rPr>
-              <a:t>Cách</a:t>
-            </a:r>
-            <a:r>
-              <a:rPr lang="en-US" dirty="0">
-                <a:solidFill>
-                  <a:schemeClr val="tx1"/>
-                </a:solidFill>
-              </a:rPr>
-              <a:t> </a:t>
-            </a:r>
-            <a:r>
-              <a:rPr lang="en-US" dirty="0" err="1">
-                <a:solidFill>
-                  <a:schemeClr val="tx1"/>
-                </a:solidFill>
-              </a:rPr>
               <a:t>chọn</a:t>
             </a:r>
             <a:r>
@@ -6718,11 +6611,17 @@
               </a:rPr>
               <a:t> VPC Subnet Builder?</a:t>
             </a:r>
-            <a:endParaRPr lang="en-VN" dirty="0">
-              <a:solidFill>
-                <a:schemeClr val="tx1"/>
-              </a:solidFill>
-            </a:endParaRPr>
+            <a:br>
+              <a:rPr lang="en-US" dirty="0">
+                <a:solidFill>
+                  <a:schemeClr val="tx1"/>
+                </a:solidFill>
+              </a:rPr>
+            </a:br>
+            <a:r>
+              <a:rPr lang="en-VN" sz="1200" dirty="0"/>
+              <a:t>https://tidalcloud.com/subnet-builder/</a:t>
+            </a:r>
           </a:p>
         </p:txBody>
       </p:sp>
@@ -6779,7 +6678,7 @@
           <a:p>
             <a:r>
               <a:rPr lang="vi-VN" dirty="0"/>
-              <a:t>Chiến lược chia dải mạng cho nhiều VPC</a:t>
+              <a:t>Thực hành: Chia dải mạng cho nhiều VPC</a:t>
             </a:r>
             <a:endParaRPr lang="en-VN" dirty="0"/>
           </a:p>
@@ -9073,6 +8972,220 @@
           </p:txBody>
         </p:sp>
       </p:grpSp>
+      <p:sp>
+        <p:nvSpPr>
+          <p:cNvPr id="4" name="TextBox 3">
+            <a:extLst>
+              <a:ext uri="{FF2B5EF4-FFF2-40B4-BE49-F238E27FC236}">
+                <a16:creationId xmlns:a16="http://schemas.microsoft.com/office/drawing/2014/main" id="{FA19E1DB-AD4A-86D9-7C2C-ABC53AE95947}"/>
+              </a:ext>
+            </a:extLst>
+          </p:cNvPr>
+          <p:cNvSpPr txBox="1"/>
+          <p:nvPr/>
+        </p:nvSpPr>
+        <p:spPr>
+          <a:xfrm>
+            <a:off x="864337" y="4166764"/>
+            <a:ext cx="10121461" cy="2314544"/>
+          </a:xfrm>
+          <a:prstGeom prst="rect">
+            <a:avLst/>
+          </a:prstGeom>
+          <a:noFill/>
+        </p:spPr>
+        <p:txBody>
+          <a:bodyPr wrap="square">
+            <a:spAutoFit/>
+          </a:bodyPr>
+          <a:lstStyle/>
+          <a:p>
+            <a:pPr>
+              <a:lnSpc>
+                <a:spcPct val="150000"/>
+              </a:lnSpc>
+            </a:pPr>
+            <a:r>
+              <a:rPr lang="vi-VN" sz="1400" b="1" dirty="0"/>
+              <a:t>Tips:</a:t>
+            </a:r>
+          </a:p>
+          <a:p>
+            <a:pPr marL="230400" indent="-230400">
+              <a:lnSpc>
+                <a:spcPct val="150000"/>
+              </a:lnSpc>
+              <a:buFont typeface="+mj-lt"/>
+              <a:buAutoNum type="arabicPeriod"/>
+            </a:pPr>
+            <a:r>
+              <a:rPr lang="vi-VN" sz="1400" dirty="0"/>
+              <a:t>Áp dụng quy tắc tăng dần khi chia CIDR cho VPC để dễ dàng quản lý.</a:t>
+            </a:r>
+          </a:p>
+          <a:p>
+            <a:pPr marL="230400" indent="-230400">
+              <a:lnSpc>
+                <a:spcPct val="150000"/>
+              </a:lnSpc>
+              <a:buFont typeface="+mj-lt"/>
+              <a:buAutoNum type="arabicPeriod"/>
+            </a:pPr>
+            <a:r>
+              <a:rPr lang="vi-VN" sz="1400" dirty="0"/>
+              <a:t>Cần đánh giá kỹ lưỡng nhu cầu sử dụng địa chỉ IP để tránh tình trạng thiếu địa chỉ IP trong tương lai.</a:t>
+            </a:r>
+          </a:p>
+          <a:p>
+            <a:pPr marL="230400" indent="-230400">
+              <a:lnSpc>
+                <a:spcPct val="150000"/>
+              </a:lnSpc>
+              <a:buFont typeface="+mj-lt"/>
+              <a:buAutoNum type="arabicPeriod"/>
+            </a:pPr>
+            <a:r>
+              <a:rPr lang="en-US" sz="1400" dirty="0" err="1"/>
+              <a:t>Cần</a:t>
+            </a:r>
+            <a:r>
+              <a:rPr lang="en-US" sz="1400" dirty="0"/>
+              <a:t> document </a:t>
+            </a:r>
+            <a:r>
+              <a:rPr lang="en-US" sz="1400" dirty="0" err="1"/>
+              <a:t>và</a:t>
+            </a:r>
+            <a:r>
+              <a:rPr lang="en-US" sz="1400" dirty="0"/>
+              <a:t> chia </a:t>
+            </a:r>
+            <a:r>
+              <a:rPr lang="en-US" sz="1400" dirty="0" err="1"/>
+              <a:t>sẻ</a:t>
+            </a:r>
+            <a:r>
+              <a:rPr lang="en-US" sz="1400" dirty="0"/>
+              <a:t> </a:t>
+            </a:r>
+            <a:r>
+              <a:rPr lang="en-US" sz="1400" dirty="0" err="1"/>
+              <a:t>thông</a:t>
+            </a:r>
+            <a:r>
+              <a:rPr lang="en-US" sz="1400" dirty="0"/>
+              <a:t> tin </a:t>
+            </a:r>
+            <a:r>
+              <a:rPr lang="en-US" sz="1400" dirty="0" err="1"/>
+              <a:t>về</a:t>
+            </a:r>
+            <a:r>
+              <a:rPr lang="en-US" sz="1400" dirty="0"/>
+              <a:t> </a:t>
+            </a:r>
+            <a:r>
+              <a:rPr lang="en-US" sz="1400" dirty="0" err="1"/>
+              <a:t>dải</a:t>
+            </a:r>
+            <a:r>
+              <a:rPr lang="en-US" sz="1400" dirty="0"/>
+              <a:t> </a:t>
+            </a:r>
+            <a:r>
+              <a:rPr lang="en-US" sz="1400" dirty="0" err="1"/>
+              <a:t>mạng</a:t>
+            </a:r>
+            <a:r>
+              <a:rPr lang="en-US" sz="1400" dirty="0"/>
+              <a:t> </a:t>
+            </a:r>
+            <a:r>
+              <a:rPr lang="en-US" sz="1400" dirty="0" err="1"/>
+              <a:t>cho</a:t>
+            </a:r>
+            <a:r>
+              <a:rPr lang="en-US" sz="1400" dirty="0"/>
+              <a:t> </a:t>
+            </a:r>
+            <a:r>
+              <a:rPr lang="en-US" sz="1400" dirty="0" err="1"/>
+              <a:t>nhiều</a:t>
+            </a:r>
+            <a:r>
+              <a:rPr lang="en-US" sz="1400" dirty="0"/>
+              <a:t> </a:t>
+            </a:r>
+            <a:r>
+              <a:rPr lang="en-US" sz="1400" dirty="0" err="1"/>
+              <a:t>phòng</a:t>
+            </a:r>
+            <a:r>
+              <a:rPr lang="en-US" sz="1400" dirty="0"/>
+              <a:t> ban </a:t>
+            </a:r>
+            <a:r>
+              <a:rPr lang="en-US" sz="1400" dirty="0" err="1"/>
+              <a:t>để</a:t>
+            </a:r>
+            <a:r>
+              <a:rPr lang="en-US" sz="1400" dirty="0"/>
+              <a:t> </a:t>
+            </a:r>
+            <a:r>
+              <a:rPr lang="en-US" sz="1400" dirty="0" err="1"/>
+              <a:t>tránh</a:t>
+            </a:r>
+            <a:r>
+              <a:rPr lang="en-US" sz="1400" dirty="0"/>
+              <a:t> </a:t>
+            </a:r>
+            <a:r>
+              <a:rPr lang="en-US" sz="1400" dirty="0" err="1"/>
+              <a:t>xung</a:t>
+            </a:r>
+            <a:r>
+              <a:rPr lang="en-US" sz="1400" dirty="0"/>
+              <a:t> </a:t>
+            </a:r>
+            <a:r>
+              <a:rPr lang="en-US" sz="1400" dirty="0" err="1"/>
+              <a:t>đột</a:t>
+            </a:r>
+            <a:r>
+              <a:rPr lang="en-US" sz="1400" dirty="0"/>
+              <a:t>.</a:t>
+            </a:r>
+          </a:p>
+          <a:p>
+            <a:pPr marL="230400" indent="-230400">
+              <a:lnSpc>
+                <a:spcPct val="150000"/>
+              </a:lnSpc>
+              <a:buFont typeface="+mj-lt"/>
+              <a:buAutoNum type="arabicPeriod"/>
+            </a:pPr>
+            <a:r>
+              <a:rPr lang="vi-VN" sz="1400" dirty="0"/>
+              <a:t>Sử dụng VPC Subnet Builder để xác định các dải mạng chưa được sử dụng trong trường hợp đã chia CIDR trước đó.</a:t>
+            </a:r>
+          </a:p>
+          <a:p>
+            <a:pPr marL="230400" indent="-230400">
+              <a:lnSpc>
+                <a:spcPct val="150000"/>
+              </a:lnSpc>
+              <a:buFont typeface="+mj-lt"/>
+              <a:buAutoNum type="arabicPeriod"/>
+            </a:pPr>
+            <a:r>
+              <a:rPr lang="vi-VN" sz="1400" dirty="0"/>
+              <a:t>Trong trường hợp VPC đã sử dụng dải IP thuộc RFC 1918 và cần mở rộng thêm secondary CIDR blocks, cần bổ sung dải IP không thuộc RFC 1918 (https://docs.aws.amazon.com/vpc/latest/userguide/vpc-ip-addressing.html). </a:t>
+            </a:r>
+            <a:endParaRPr lang="vi-VN" sz="1200" dirty="0"/>
+          </a:p>
+        </p:txBody>
+      </p:sp>
     </p:spTree>
     <p:extLst>
       <p:ext uri="{BB962C8B-B14F-4D97-AF65-F5344CB8AC3E}">
